--- a/1. Core Java/Day 6/Slides/18. Input and Output with Streams and Files/input-and-output-with-streams-and-files-slides.pptx
+++ b/1. Core Java/Day 6/Slides/18. Input and Output with Streams and Files/input-and-output-with-streams-and-files-slides.pptx
@@ -13790,6 +13790,43 @@
               <a:rPr/>
             </a:fld>
             <a:endParaRPr/>
+          </a:p>
+        </p:txBody>
+      </p:sp>
+      <p:sp>
+        <p:nvSpPr>
+          <p:cNvPr id="7" name="Text Box 6"/>
+          <p:cNvSpPr txBox="1"/>
+          <p:nvPr/>
+        </p:nvSpPr>
+        <p:spPr>
+          <a:xfrm>
+            <a:off x="5163820" y="4495800"/>
+            <a:ext cx="4674870" cy="460375"/>
+          </a:xfrm>
+          <a:prstGeom prst="rect">
+            <a:avLst/>
+          </a:prstGeom>
+          <a:noFill/>
+        </p:spPr>
+        <p:txBody>
+          <a:bodyPr wrap="square" rtlCol="0" anchor="t">
+            <a:spAutoFit/>
+          </a:bodyPr>
+          <a:p>
+            <a:r>
+              <a:rPr lang="en-US" sz="2400" b="1">
+                <a:solidFill>
+                  <a:srgbClr val="DB6709"/>
+                </a:solidFill>
+              </a:rPr>
+              <a:t>The StandardOpenOptions Enums</a:t>
+            </a:r>
+            <a:endParaRPr lang="en-US" sz="2400" b="1">
+              <a:solidFill>
+                <a:srgbClr val="DB6709"/>
+              </a:solidFill>
+            </a:endParaRPr>
           </a:p>
         </p:txBody>
       </p:sp>
